--- a/pslides/00_introduction.pptx
+++ b/pslides/00_introduction.pptx
@@ -277,7 +277,7 @@
           <a:p>
             <a:fld id="{7B9169B0-A344-9A43-AAD5-682508993835}" type="datetimeFigureOut">
               <a:rPr lang="fr-FR" smtClean="0"/>
-              <a:t>18/08/2022</a:t>
+              <a:t>26/11/2023</a:t>
             </a:fld>
             <a:endParaRPr lang="fr-FR"/>
           </a:p>
@@ -331,7 +331,7 @@
           <a:p>
             <a:fld id="{32AB45CD-FBC7-AD46-884B-BD8C98FD575D}" type="slidenum">
               <a:rPr lang="fr-FR" smtClean="0"/>
-              <a:t>‹#›</a:t>
+              <a:t>‹N°›</a:t>
             </a:fld>
             <a:endParaRPr lang="fr-FR"/>
           </a:p>
@@ -475,7 +475,7 @@
           <a:p>
             <a:fld id="{7B9169B0-A344-9A43-AAD5-682508993835}" type="datetimeFigureOut">
               <a:rPr lang="fr-FR" smtClean="0"/>
-              <a:t>18/08/2022</a:t>
+              <a:t>26/11/2023</a:t>
             </a:fld>
             <a:endParaRPr lang="fr-FR"/>
           </a:p>
@@ -529,7 +529,7 @@
           <a:p>
             <a:fld id="{32AB45CD-FBC7-AD46-884B-BD8C98FD575D}" type="slidenum">
               <a:rPr lang="fr-FR" smtClean="0"/>
-              <a:t>‹#›</a:t>
+              <a:t>‹N°›</a:t>
             </a:fld>
             <a:endParaRPr lang="fr-FR"/>
           </a:p>
@@ -683,7 +683,7 @@
           <a:p>
             <a:fld id="{7B9169B0-A344-9A43-AAD5-682508993835}" type="datetimeFigureOut">
               <a:rPr lang="fr-FR" smtClean="0"/>
-              <a:t>18/08/2022</a:t>
+              <a:t>26/11/2023</a:t>
             </a:fld>
             <a:endParaRPr lang="fr-FR"/>
           </a:p>
@@ -737,7 +737,7 @@
           <a:p>
             <a:fld id="{32AB45CD-FBC7-AD46-884B-BD8C98FD575D}" type="slidenum">
               <a:rPr lang="fr-FR" smtClean="0"/>
-              <a:t>‹#›</a:t>
+              <a:t>‹N°›</a:t>
             </a:fld>
             <a:endParaRPr lang="fr-FR"/>
           </a:p>
@@ -881,7 +881,7 @@
           <a:p>
             <a:fld id="{7B9169B0-A344-9A43-AAD5-682508993835}" type="datetimeFigureOut">
               <a:rPr lang="fr-FR" smtClean="0"/>
-              <a:t>18/08/2022</a:t>
+              <a:t>26/11/2023</a:t>
             </a:fld>
             <a:endParaRPr lang="fr-FR"/>
           </a:p>
@@ -935,7 +935,7 @@
           <a:p>
             <a:fld id="{32AB45CD-FBC7-AD46-884B-BD8C98FD575D}" type="slidenum">
               <a:rPr lang="fr-FR" smtClean="0"/>
-              <a:t>‹#›</a:t>
+              <a:t>‹N°›</a:t>
             </a:fld>
             <a:endParaRPr lang="fr-FR"/>
           </a:p>
@@ -1156,7 +1156,7 @@
           <a:p>
             <a:fld id="{7B9169B0-A344-9A43-AAD5-682508993835}" type="datetimeFigureOut">
               <a:rPr lang="fr-FR" smtClean="0"/>
-              <a:t>18/08/2022</a:t>
+              <a:t>26/11/2023</a:t>
             </a:fld>
             <a:endParaRPr lang="fr-FR"/>
           </a:p>
@@ -1210,7 +1210,7 @@
           <a:p>
             <a:fld id="{32AB45CD-FBC7-AD46-884B-BD8C98FD575D}" type="slidenum">
               <a:rPr lang="fr-FR" smtClean="0"/>
-              <a:t>‹#›</a:t>
+              <a:t>‹N°›</a:t>
             </a:fld>
             <a:endParaRPr lang="fr-FR"/>
           </a:p>
@@ -1421,7 +1421,7 @@
           <a:p>
             <a:fld id="{7B9169B0-A344-9A43-AAD5-682508993835}" type="datetimeFigureOut">
               <a:rPr lang="fr-FR" smtClean="0"/>
-              <a:t>18/08/2022</a:t>
+              <a:t>26/11/2023</a:t>
             </a:fld>
             <a:endParaRPr lang="fr-FR"/>
           </a:p>
@@ -1475,7 +1475,7 @@
           <a:p>
             <a:fld id="{32AB45CD-FBC7-AD46-884B-BD8C98FD575D}" type="slidenum">
               <a:rPr lang="fr-FR" smtClean="0"/>
-              <a:t>‹#›</a:t>
+              <a:t>‹N°›</a:t>
             </a:fld>
             <a:endParaRPr lang="fr-FR"/>
           </a:p>
@@ -1833,7 +1833,7 @@
           <a:p>
             <a:fld id="{7B9169B0-A344-9A43-AAD5-682508993835}" type="datetimeFigureOut">
               <a:rPr lang="fr-FR" smtClean="0"/>
-              <a:t>18/08/2022</a:t>
+              <a:t>26/11/2023</a:t>
             </a:fld>
             <a:endParaRPr lang="fr-FR"/>
           </a:p>
@@ -1887,7 +1887,7 @@
           <a:p>
             <a:fld id="{32AB45CD-FBC7-AD46-884B-BD8C98FD575D}" type="slidenum">
               <a:rPr lang="fr-FR" smtClean="0"/>
-              <a:t>‹#›</a:t>
+              <a:t>‹N°›</a:t>
             </a:fld>
             <a:endParaRPr lang="fr-FR"/>
           </a:p>
@@ -1974,7 +1974,7 @@
           <a:p>
             <a:fld id="{7B9169B0-A344-9A43-AAD5-682508993835}" type="datetimeFigureOut">
               <a:rPr lang="fr-FR" smtClean="0"/>
-              <a:t>18/08/2022</a:t>
+              <a:t>26/11/2023</a:t>
             </a:fld>
             <a:endParaRPr lang="fr-FR"/>
           </a:p>
@@ -2028,7 +2028,7 @@
           <a:p>
             <a:fld id="{32AB45CD-FBC7-AD46-884B-BD8C98FD575D}" type="slidenum">
               <a:rPr lang="fr-FR" smtClean="0"/>
-              <a:t>‹#›</a:t>
+              <a:t>‹N°›</a:t>
             </a:fld>
             <a:endParaRPr lang="fr-FR"/>
           </a:p>
@@ -2087,7 +2087,7 @@
           <a:p>
             <a:fld id="{7B9169B0-A344-9A43-AAD5-682508993835}" type="datetimeFigureOut">
               <a:rPr lang="fr-FR" smtClean="0"/>
-              <a:t>18/08/2022</a:t>
+              <a:t>26/11/2023</a:t>
             </a:fld>
             <a:endParaRPr lang="fr-FR"/>
           </a:p>
@@ -2141,7 +2141,7 @@
           <a:p>
             <a:fld id="{32AB45CD-FBC7-AD46-884B-BD8C98FD575D}" type="slidenum">
               <a:rPr lang="fr-FR" smtClean="0"/>
-              <a:t>‹#›</a:t>
+              <a:t>‹N°›</a:t>
             </a:fld>
             <a:endParaRPr lang="fr-FR"/>
           </a:p>
@@ -2398,7 +2398,7 @@
           <a:p>
             <a:fld id="{7B9169B0-A344-9A43-AAD5-682508993835}" type="datetimeFigureOut">
               <a:rPr lang="fr-FR" smtClean="0"/>
-              <a:t>18/08/2022</a:t>
+              <a:t>26/11/2023</a:t>
             </a:fld>
             <a:endParaRPr lang="fr-FR"/>
           </a:p>
@@ -2452,7 +2452,7 @@
           <a:p>
             <a:fld id="{32AB45CD-FBC7-AD46-884B-BD8C98FD575D}" type="slidenum">
               <a:rPr lang="fr-FR" smtClean="0"/>
-              <a:t>‹#›</a:t>
+              <a:t>‹N°›</a:t>
             </a:fld>
             <a:endParaRPr lang="fr-FR"/>
           </a:p>
@@ -2686,7 +2686,7 @@
           <a:p>
             <a:fld id="{7B9169B0-A344-9A43-AAD5-682508993835}" type="datetimeFigureOut">
               <a:rPr lang="fr-FR" smtClean="0"/>
-              <a:t>18/08/2022</a:t>
+              <a:t>26/11/2023</a:t>
             </a:fld>
             <a:endParaRPr lang="fr-FR"/>
           </a:p>
@@ -2740,7 +2740,7 @@
           <a:p>
             <a:fld id="{32AB45CD-FBC7-AD46-884B-BD8C98FD575D}" type="slidenum">
               <a:rPr lang="fr-FR" smtClean="0"/>
-              <a:t>‹#›</a:t>
+              <a:t>‹N°›</a:t>
             </a:fld>
             <a:endParaRPr lang="fr-FR"/>
           </a:p>
@@ -2927,7 +2927,7 @@
           <a:p>
             <a:fld id="{7B9169B0-A344-9A43-AAD5-682508993835}" type="datetimeFigureOut">
               <a:rPr lang="fr-FR" smtClean="0"/>
-              <a:t>18/08/2022</a:t>
+              <a:t>26/11/2023</a:t>
             </a:fld>
             <a:endParaRPr lang="fr-FR"/>
           </a:p>
@@ -3017,7 +3017,7 @@
           <a:p>
             <a:fld id="{32AB45CD-FBC7-AD46-884B-BD8C98FD575D}" type="slidenum">
               <a:rPr lang="fr-FR" smtClean="0"/>
-              <a:t>‹#›</a:t>
+              <a:t>‹N°›</a:t>
             </a:fld>
             <a:endParaRPr lang="fr-FR"/>
           </a:p>
@@ -4325,8 +4325,8 @@
         </p:nvSpPr>
         <p:spPr>
           <a:xfrm>
-            <a:off x="1646238" y="2069136"/>
-            <a:ext cx="8899522" cy="1200329"/>
+            <a:off x="1043835" y="1196777"/>
+            <a:ext cx="10104327" cy="4893647"/>
           </a:xfrm>
           <a:prstGeom prst="rect">
             <a:avLst/>
@@ -4339,16 +4339,10 @@
           </a:bodyPr>
           <a:lstStyle/>
           <a:p>
-            <a:r>
-              <a:rPr lang="en-US" sz="2400" dirty="0"/>
-              <a:t>Now, it’s your turn to tell me a little about yourself:</a:t>
-            </a:r>
-          </a:p>
-          <a:p>
-            <a:endParaRPr lang="en-US" sz="2400" dirty="0"/>
-          </a:p>
-          <a:p>
-            <a:pPr algn="ctr"/>
+            <a:pPr marL="457200" indent="-457200">
+              <a:buFont typeface="Wingdings" pitchFamily="2" charset="2"/>
+              <a:buChar char="§"/>
+            </a:pPr>
             <a:r>
               <a:rPr lang="en-US" sz="2400" b="1" dirty="0">
                 <a:solidFill>
@@ -4357,7 +4351,7 @@
                   </a:schemeClr>
                 </a:solidFill>
               </a:rPr>
-              <a:t>https://</a:t>
+              <a:t>How does your name show up in </a:t>
             </a:r>
             <a:r>
               <a:rPr lang="en-US" sz="2400" b="1" dirty="0" err="1">
@@ -4367,7 +4361,7 @@
                   </a:schemeClr>
                 </a:solidFill>
               </a:rPr>
-              <a:t>forms.gle</a:t>
+              <a:t>BannerWeb</a:t>
             </a:r>
             <a:r>
               <a:rPr lang="en-US" sz="2400" b="1" dirty="0">
@@ -4377,7 +4371,123 @@
                   </a:schemeClr>
                 </a:solidFill>
               </a:rPr>
-              <a:t>/vJsiikcnPoD6FTvdA</a:t>
+              <a:t>? Do you have a different preferred name? Is there anything else I should know about the pronunciation of your name or your preferred pronouns?</a:t>
+            </a:r>
+          </a:p>
+          <a:p>
+            <a:pPr marL="457200" indent="-457200">
+              <a:buFont typeface="Wingdings" pitchFamily="2" charset="2"/>
+              <a:buChar char="§"/>
+            </a:pPr>
+            <a:endParaRPr lang="en-US" sz="2400" b="1" dirty="0">
+              <a:solidFill>
+                <a:schemeClr val="accent1">
+                  <a:lumMod val="75000"/>
+                </a:schemeClr>
+              </a:solidFill>
+            </a:endParaRPr>
+          </a:p>
+          <a:p>
+            <a:pPr marL="457200" indent="-457200">
+              <a:buFont typeface="Wingdings" pitchFamily="2" charset="2"/>
+              <a:buChar char="§"/>
+            </a:pPr>
+            <a:r>
+              <a:rPr lang="en-US" sz="2400" b="1" dirty="0">
+                <a:solidFill>
+                  <a:schemeClr val="accent1">
+                    <a:lumMod val="75000"/>
+                  </a:schemeClr>
+                </a:solidFill>
+              </a:rPr>
+              <a:t>Please give a brief 2-3 sentence introduction.</a:t>
+            </a:r>
+          </a:p>
+          <a:p>
+            <a:pPr marL="457200" indent="-457200">
+              <a:buFont typeface="Wingdings" pitchFamily="2" charset="2"/>
+              <a:buChar char="§"/>
+            </a:pPr>
+            <a:endParaRPr lang="en-US" sz="2400" b="1" dirty="0">
+              <a:solidFill>
+                <a:schemeClr val="accent1">
+                  <a:lumMod val="75000"/>
+                </a:schemeClr>
+              </a:solidFill>
+            </a:endParaRPr>
+          </a:p>
+          <a:p>
+            <a:pPr marL="457200" indent="-457200">
+              <a:buFont typeface="Wingdings" pitchFamily="2" charset="2"/>
+              <a:buChar char="§"/>
+            </a:pPr>
+            <a:r>
+              <a:rPr lang="en-US" sz="2400" b="1" dirty="0">
+                <a:solidFill>
+                  <a:schemeClr val="accent1">
+                    <a:lumMod val="75000"/>
+                  </a:schemeClr>
+                </a:solidFill>
+              </a:rPr>
+              <a:t>What other statistics or data sciences courses have you taken at UR?</a:t>
+            </a:r>
+          </a:p>
+          <a:p>
+            <a:pPr marL="457200" indent="-457200">
+              <a:buFont typeface="Wingdings" pitchFamily="2" charset="2"/>
+              <a:buChar char="§"/>
+            </a:pPr>
+            <a:endParaRPr lang="en-US" sz="2400" b="1" dirty="0">
+              <a:solidFill>
+                <a:schemeClr val="accent1">
+                  <a:lumMod val="75000"/>
+                </a:schemeClr>
+              </a:solidFill>
+            </a:endParaRPr>
+          </a:p>
+          <a:p>
+            <a:pPr marL="457200" indent="-457200">
+              <a:buFont typeface="Wingdings" pitchFamily="2" charset="2"/>
+              <a:buChar char="§"/>
+            </a:pPr>
+            <a:r>
+              <a:rPr lang="en-US" sz="2400" b="1" dirty="0">
+                <a:solidFill>
+                  <a:schemeClr val="accent1">
+                    <a:lumMod val="75000"/>
+                  </a:schemeClr>
+                </a:solidFill>
+              </a:rPr>
+              <a:t>In one sentence, why are you taking this class?</a:t>
+            </a:r>
+          </a:p>
+          <a:p>
+            <a:pPr marL="457200" indent="-457200">
+              <a:buFont typeface="Wingdings" pitchFamily="2" charset="2"/>
+              <a:buChar char="§"/>
+            </a:pPr>
+            <a:endParaRPr lang="en-US" sz="2400" b="1" dirty="0">
+              <a:solidFill>
+                <a:schemeClr val="accent1">
+                  <a:lumMod val="75000"/>
+                </a:schemeClr>
+              </a:solidFill>
+            </a:endParaRPr>
+          </a:p>
+          <a:p>
+            <a:pPr marL="457200" indent="-457200">
+              <a:buFont typeface="Wingdings" pitchFamily="2" charset="2"/>
+              <a:buChar char="§"/>
+            </a:pPr>
+            <a:r>
+              <a:rPr lang="en-US" sz="2400" b="1" dirty="0">
+                <a:solidFill>
+                  <a:schemeClr val="accent1">
+                    <a:lumMod val="75000"/>
+                  </a:schemeClr>
+                </a:solidFill>
+              </a:rPr>
+              <a:t>Anything else I should know? At a minimum, please let me know if you have a DAN or are involved in any UR sports teams or other official organizations that may cause you to miss class</a:t>
             </a:r>
           </a:p>
         </p:txBody>
@@ -4979,7 +5089,7 @@
             </a:r>
             <a:r>
               <a:rPr lang="fr-FR" sz="2400" noProof="1"/>
-              <a:t> =&gt; click on R-4.2.1.pkg and follow instructions</a:t>
+              <a:t> =&gt; click on R-4.3.2.pkg and follow instructions</a:t>
             </a:r>
           </a:p>
           <a:p>
@@ -5216,15 +5326,27 @@
           </a:p>
           <a:p>
             <a:r>
+              <a:rPr lang="fr-FR" sz="2400" noProof="1"/>
+              <a:t>	</a:t>
+            </a:r>
+            <a:r>
               <a:rPr lang="fr-FR" sz="2400" noProof="1">
                 <a:solidFill>
                   <a:schemeClr val="accent5">
                     <a:lumMod val="75000"/>
                   </a:schemeClr>
                 </a:solidFill>
+                <a:hlinkClick r:id="rId3"/>
               </a:rPr>
-              <a:t>     https://www.rstudio.com/products/rstudio/download/#download</a:t>
-            </a:r>
+              <a:t>https://posit.co/download/rstudio-desktop/</a:t>
+            </a:r>
+            <a:endParaRPr lang="fr-FR" sz="2400" noProof="1">
+              <a:solidFill>
+                <a:schemeClr val="accent5">
+                  <a:lumMod val="75000"/>
+                </a:schemeClr>
+              </a:solidFill>
+            </a:endParaRPr>
           </a:p>
           <a:p>
             <a:endParaRPr lang="fr-FR" sz="2400" noProof="1">
@@ -5485,6 +5607,36 @@
           <a:chExt cx="0" cy="0"/>
         </a:xfrm>
       </p:grpSpPr>
+      <p:pic>
+        <p:nvPicPr>
+          <p:cNvPr id="4" name="Image 3" descr="Une image contenant capture d’écran, texte, logiciel&#10;&#10;Description générée automatiquement">
+            <a:extLst>
+              <a:ext uri="{FF2B5EF4-FFF2-40B4-BE49-F238E27FC236}">
+                <a16:creationId xmlns:a16="http://schemas.microsoft.com/office/drawing/2014/main" id="{FB9AC142-2D4E-D0AA-0E7F-A7DF0092A863}"/>
+              </a:ext>
+            </a:extLst>
+          </p:cNvPr>
+          <p:cNvPicPr>
+            <a:picLocks noChangeAspect="1"/>
+          </p:cNvPicPr>
+          <p:nvPr/>
+        </p:nvPicPr>
+        <p:blipFill>
+          <a:blip r:embed="rId2"/>
+          <a:stretch>
+            <a:fillRect/>
+          </a:stretch>
+        </p:blipFill>
+        <p:spPr>
+          <a:xfrm>
+            <a:off x="1253359" y="1319925"/>
+            <a:ext cx="7772400" cy="4853784"/>
+          </a:xfrm>
+          <a:prstGeom prst="rect">
+            <a:avLst/>
+          </a:prstGeom>
+        </p:spPr>
+      </p:pic>
       <p:sp>
         <p:nvSpPr>
           <p:cNvPr id="72" name="ZoneTexte 71">
@@ -5536,7 +5688,7 @@
           <p:nvPr/>
         </p:nvPicPr>
         <p:blipFill>
-          <a:blip r:embed="rId2">
+          <a:blip r:embed="rId3">
             <a:extLst>
               <a:ext uri="{28A0092B-C50C-407E-A947-70E740481C1C}">
                 <a14:useLocalDpi xmlns:a14="http://schemas.microsoft.com/office/drawing/2010/main" val="0"/>
@@ -5609,36 +5761,6 @@
           </a:p>
         </p:txBody>
       </p:sp>
-      <p:pic>
-        <p:nvPicPr>
-          <p:cNvPr id="3" name="Image 2">
-            <a:extLst>
-              <a:ext uri="{FF2B5EF4-FFF2-40B4-BE49-F238E27FC236}">
-                <a16:creationId xmlns:a16="http://schemas.microsoft.com/office/drawing/2014/main" id="{5AFAAB47-2938-EC4B-AF94-6175C161C901}"/>
-              </a:ext>
-            </a:extLst>
-          </p:cNvPr>
-          <p:cNvPicPr>
-            <a:picLocks noChangeAspect="1"/>
-          </p:cNvPicPr>
-          <p:nvPr/>
-        </p:nvPicPr>
-        <p:blipFill>
-          <a:blip r:embed="rId3"/>
-          <a:stretch>
-            <a:fillRect/>
-          </a:stretch>
-        </p:blipFill>
-        <p:spPr>
-          <a:xfrm>
-            <a:off x="1145628" y="1074060"/>
-            <a:ext cx="8467563" cy="5551277"/>
-          </a:xfrm>
-          <a:prstGeom prst="rect">
-            <a:avLst/>
-          </a:prstGeom>
-        </p:spPr>
-      </p:pic>
       <p:cxnSp>
         <p:nvCxnSpPr>
           <p:cNvPr id="5" name="Connecteur droit avec flèche 4">
@@ -5655,8 +5777,8 @@
         </p:nvCxnSpPr>
         <p:spPr>
           <a:xfrm flipH="1">
-            <a:off x="6579477" y="1849821"/>
-            <a:ext cx="3668109" cy="1313793"/>
+            <a:off x="7662041" y="1849821"/>
+            <a:ext cx="2585545" cy="1376855"/>
           </a:xfrm>
           <a:prstGeom prst="straightConnector1">
             <a:avLst/>
@@ -5697,7 +5819,7 @@
         </p:nvSpPr>
         <p:spPr>
           <a:xfrm>
-            <a:off x="10365186" y="1311212"/>
+            <a:off x="10247586" y="1378609"/>
             <a:ext cx="1810543" cy="584775"/>
           </a:xfrm>
           <a:prstGeom prst="rect">
@@ -5718,110 +5840,6 @@
                 </a:solidFill>
               </a:rPr>
               <a:t>Click </a:t>
-            </a:r>
-            <a:r>
-              <a:rPr lang="fr-FR" sz="3200" dirty="0" err="1">
-                <a:solidFill>
-                  <a:srgbClr val="C00000"/>
-                </a:solidFill>
-              </a:rPr>
-              <a:t>here</a:t>
-            </a:r>
-            <a:endParaRPr lang="fr-FR" sz="3200" dirty="0">
-              <a:solidFill>
-                <a:srgbClr val="C00000"/>
-              </a:solidFill>
-            </a:endParaRPr>
-          </a:p>
-        </p:txBody>
-      </p:sp>
-      <p:cxnSp>
-        <p:nvCxnSpPr>
-          <p:cNvPr id="13" name="Connecteur droit avec flèche 12">
-            <a:extLst>
-              <a:ext uri="{FF2B5EF4-FFF2-40B4-BE49-F238E27FC236}">
-                <a16:creationId xmlns:a16="http://schemas.microsoft.com/office/drawing/2014/main" id="{2DC4BA54-ECE0-CE4A-B6F9-AA359B1741F1}"/>
-              </a:ext>
-            </a:extLst>
-          </p:cNvPr>
-          <p:cNvCxnSpPr>
-            <a:cxnSpLocks/>
-          </p:cNvCxnSpPr>
-          <p:nvPr/>
-        </p:nvCxnSpPr>
-        <p:spPr>
-          <a:xfrm flipH="1">
-            <a:off x="6598739" y="3939375"/>
-            <a:ext cx="3668109" cy="1313793"/>
-          </a:xfrm>
-          <a:prstGeom prst="straightConnector1">
-            <a:avLst/>
-          </a:prstGeom>
-          <a:ln w="38100">
-            <a:solidFill>
-              <a:srgbClr val="C00000"/>
-            </a:solidFill>
-            <a:tailEnd type="triangle"/>
-          </a:ln>
-        </p:spPr>
-        <p:style>
-          <a:lnRef idx="1">
-            <a:schemeClr val="accent1"/>
-          </a:lnRef>
-          <a:fillRef idx="0">
-            <a:schemeClr val="accent1"/>
-          </a:fillRef>
-          <a:effectRef idx="0">
-            <a:schemeClr val="accent1"/>
-          </a:effectRef>
-          <a:fontRef idx="minor">
-            <a:schemeClr val="tx1"/>
-          </a:fontRef>
-        </p:style>
-      </p:cxnSp>
-      <p:sp>
-        <p:nvSpPr>
-          <p:cNvPr id="14" name="ZoneTexte 13">
-            <a:extLst>
-              <a:ext uri="{FF2B5EF4-FFF2-40B4-BE49-F238E27FC236}">
-                <a16:creationId xmlns:a16="http://schemas.microsoft.com/office/drawing/2014/main" id="{673908DA-59D8-9742-822F-40C37B17790C}"/>
-              </a:ext>
-            </a:extLst>
-          </p:cNvPr>
-          <p:cNvSpPr txBox="1"/>
-          <p:nvPr/>
-        </p:nvSpPr>
-        <p:spPr>
-          <a:xfrm>
-            <a:off x="10381457" y="3345056"/>
-            <a:ext cx="1810543" cy="1077218"/>
-          </a:xfrm>
-          <a:prstGeom prst="rect">
-            <a:avLst/>
-          </a:prstGeom>
-          <a:noFill/>
-        </p:spPr>
-        <p:txBody>
-          <a:bodyPr wrap="square" rtlCol="0">
-            <a:spAutoFit/>
-          </a:bodyPr>
-          <a:lstStyle/>
-          <a:p>
-            <a:r>
-              <a:rPr lang="fr-FR" sz="3200" dirty="0" err="1">
-                <a:solidFill>
-                  <a:srgbClr val="C00000"/>
-                </a:solidFill>
-              </a:rPr>
-              <a:t>Then</a:t>
-            </a:r>
-            <a:r>
-              <a:rPr lang="fr-FR" sz="3200" dirty="0">
-                <a:solidFill>
-                  <a:srgbClr val="C00000"/>
-                </a:solidFill>
-              </a:rPr>
-              <a:t>, click </a:t>
             </a:r>
             <a:r>
               <a:rPr lang="fr-FR" sz="3200" dirty="0" err="1">
